--- a/PRT Bus Utilization - ERL67.pptx
+++ b/PRT Bus Utilization - ERL67.pptx
@@ -105,6 +105,11 @@
       </a:defRPr>
     </a:lvl9pPr>
   </p:defaultTextStyle>
+  <p:extLst>
+    <p:ext uri="{EFAFB233-063F-42B5-8137-9DF3F51BA10A}">
+      <p15:sldGuideLst xmlns:p15="http://schemas.microsoft.com/office/powerpoint/2012/main"/>
+    </p:ext>
+  </p:extLst>
 </p:presentation>
 </file>
 
@@ -3322,12 +3327,45 @@
           <a:chExt cx="0" cy="0"/>
         </a:xfrm>
       </p:grpSpPr>
+      <p:sp>
+        <p:nvSpPr>
+          <p:cNvPr id="4" name="Title 3">
+            <a:extLst>
+              <a:ext uri="{FF2B5EF4-FFF2-40B4-BE49-F238E27FC236}">
+                <a16:creationId xmlns:a16="http://schemas.microsoft.com/office/drawing/2014/main" id="{D4281ABF-C77D-056C-A75C-880FAED6ED76}"/>
+              </a:ext>
+            </a:extLst>
+          </p:cNvPr>
+          <p:cNvSpPr>
+            <a:spLocks noGrp="1"/>
+          </p:cNvSpPr>
+          <p:nvPr>
+            <p:ph type="title"/>
+          </p:nvPr>
+        </p:nvSpPr>
+        <p:spPr>
+          <a:xfrm>
+            <a:off x="0" y="0"/>
+            <a:ext cx="7886700" cy="596166"/>
+          </a:xfrm>
+        </p:spPr>
+        <p:txBody>
+          <a:bodyPr/>
+          <a:lstStyle/>
+          <a:p>
+            <a:r>
+              <a:rPr lang="en-US" dirty="0"/>
+              <a:t>PRT Bus Utilization</a:t>
+            </a:r>
+          </a:p>
+        </p:txBody>
+      </p:sp>
       <p:pic>
         <p:nvPicPr>
-          <p:cNvPr id="7" name="Content Placeholder 6" descr="A circular chart with many colored squares&#10;&#10;Description automatically generated with medium confidence">
-            <a:extLst>
-              <a:ext uri="{FF2B5EF4-FFF2-40B4-BE49-F238E27FC236}">
-                <a16:creationId xmlns:a16="http://schemas.microsoft.com/office/drawing/2014/main" id="{9187E2E6-F2C4-AD91-EEB2-A295A8ADFB1C}"/>
+          <p:cNvPr id="6" name="Content Placeholder 5" descr="A circular chart with many colored squares&#10;&#10;Description automatically generated with medium confidence">
+            <a:extLst>
+              <a:ext uri="{FF2B5EF4-FFF2-40B4-BE49-F238E27FC236}">
+                <a16:creationId xmlns:a16="http://schemas.microsoft.com/office/drawing/2014/main" id="{5F337CBE-F421-1D56-900B-DFBFE8C6951B}"/>
               </a:ext>
             </a:extLst>
           </p:cNvPr>
@@ -3352,17 +3390,17 @@
         </p:blipFill>
         <p:spPr>
           <a:xfrm>
-            <a:off x="129480" y="1002721"/>
-            <a:ext cx="6939535" cy="5855280"/>
+            <a:off x="-1" y="989667"/>
+            <a:ext cx="6951785" cy="5868333"/>
           </a:xfrm>
         </p:spPr>
       </p:pic>
       <p:pic>
         <p:nvPicPr>
-          <p:cNvPr id="9" name="Picture 8" descr="A graph with blue lines&#10;&#10;Description automatically generated">
-            <a:extLst>
-              <a:ext uri="{FF2B5EF4-FFF2-40B4-BE49-F238E27FC236}">
-                <a16:creationId xmlns:a16="http://schemas.microsoft.com/office/drawing/2014/main" id="{7435FBD2-A60C-7716-1326-0DE5FD2275A8}"/>
+          <p:cNvPr id="12" name="Picture 11" descr="A graph showing the growth of a stock market&#10;&#10;Description automatically generated">
+            <a:extLst>
+              <a:ext uri="{FF2B5EF4-FFF2-40B4-BE49-F238E27FC236}">
+                <a16:creationId xmlns:a16="http://schemas.microsoft.com/office/drawing/2014/main" id="{7C062FBA-23EC-4A04-98DC-A8DCE26ADC51}"/>
               </a:ext>
             </a:extLst>
           </p:cNvPr>
@@ -3371,7 +3409,7 @@
           </p:cNvPicPr>
           <p:nvPr/>
         </p:nvPicPr>
-        <p:blipFill>
+        <p:blipFill rotWithShape="1">
           <a:blip r:embed="rId3">
             <a:extLst>
               <a:ext uri="{28A0092B-C50C-407E-A947-70E740481C1C}">
@@ -3379,53 +3417,19 @@
               </a:ext>
             </a:extLst>
           </a:blip>
-          <a:stretch>
-            <a:fillRect/>
-          </a:stretch>
+          <a:srcRect l="1188" t="7022" r="2055" b="2663"/>
+          <a:stretch/>
         </p:blipFill>
         <p:spPr>
           <a:xfrm>
-            <a:off x="6166338" y="0"/>
-            <a:ext cx="2977662" cy="1895789"/>
+            <a:off x="5586984" y="0"/>
+            <a:ext cx="3557016" cy="1879273"/>
           </a:xfrm>
           <a:prstGeom prst="rect">
             <a:avLst/>
           </a:prstGeom>
         </p:spPr>
       </p:pic>
-      <p:sp>
-        <p:nvSpPr>
-          <p:cNvPr id="4" name="Title 3">
-            <a:extLst>
-              <a:ext uri="{FF2B5EF4-FFF2-40B4-BE49-F238E27FC236}">
-                <a16:creationId xmlns:a16="http://schemas.microsoft.com/office/drawing/2014/main" id="{D4281ABF-C77D-056C-A75C-880FAED6ED76}"/>
-              </a:ext>
-            </a:extLst>
-          </p:cNvPr>
-          <p:cNvSpPr>
-            <a:spLocks noGrp="1"/>
-          </p:cNvSpPr>
-          <p:nvPr>
-            <p:ph type="title"/>
-          </p:nvPr>
-        </p:nvSpPr>
-        <p:spPr>
-          <a:xfrm>
-            <a:off x="0" y="0"/>
-            <a:ext cx="7886700" cy="596166"/>
-          </a:xfrm>
-        </p:spPr>
-        <p:txBody>
-          <a:bodyPr/>
-          <a:lstStyle/>
-          <a:p>
-            <a:r>
-              <a:rPr lang="en-US" dirty="0"/>
-              <a:t>PRT Bus Utilization</a:t>
-            </a:r>
-          </a:p>
-        </p:txBody>
-      </p:sp>
     </p:spTree>
     <p:extLst>
       <p:ext uri="{BB962C8B-B14F-4D97-AF65-F5344CB8AC3E}">

--- a/PRT Bus Utilization - ERL67.pptx
+++ b/PRT Bus Utilization - ERL67.pptx
@@ -260,7 +260,7 @@
           <a:p>
             <a:fld id="{14FFEC6F-EAF0-4666-B59E-6BC66CA63AE0}" type="datetimeFigureOut">
               <a:rPr lang="en-US" smtClean="0"/>
-              <a:t>12/3/2024</a:t>
+              <a:t>12/4/2024</a:t>
             </a:fld>
             <a:endParaRPr lang="en-US"/>
           </a:p>
@@ -458,7 +458,7 @@
           <a:p>
             <a:fld id="{14FFEC6F-EAF0-4666-B59E-6BC66CA63AE0}" type="datetimeFigureOut">
               <a:rPr lang="en-US" smtClean="0"/>
-              <a:t>12/3/2024</a:t>
+              <a:t>12/4/2024</a:t>
             </a:fld>
             <a:endParaRPr lang="en-US"/>
           </a:p>
@@ -666,7 +666,7 @@
           <a:p>
             <a:fld id="{14FFEC6F-EAF0-4666-B59E-6BC66CA63AE0}" type="datetimeFigureOut">
               <a:rPr lang="en-US" smtClean="0"/>
-              <a:t>12/3/2024</a:t>
+              <a:t>12/4/2024</a:t>
             </a:fld>
             <a:endParaRPr lang="en-US"/>
           </a:p>
@@ -864,7 +864,7 @@
           <a:p>
             <a:fld id="{14FFEC6F-EAF0-4666-B59E-6BC66CA63AE0}" type="datetimeFigureOut">
               <a:rPr lang="en-US" smtClean="0"/>
-              <a:t>12/3/2024</a:t>
+              <a:t>12/4/2024</a:t>
             </a:fld>
             <a:endParaRPr lang="en-US"/>
           </a:p>
@@ -1139,7 +1139,7 @@
           <a:p>
             <a:fld id="{14FFEC6F-EAF0-4666-B59E-6BC66CA63AE0}" type="datetimeFigureOut">
               <a:rPr lang="en-US" smtClean="0"/>
-              <a:t>12/3/2024</a:t>
+              <a:t>12/4/2024</a:t>
             </a:fld>
             <a:endParaRPr lang="en-US"/>
           </a:p>
@@ -1404,7 +1404,7 @@
           <a:p>
             <a:fld id="{14FFEC6F-EAF0-4666-B59E-6BC66CA63AE0}" type="datetimeFigureOut">
               <a:rPr lang="en-US" smtClean="0"/>
-              <a:t>12/3/2024</a:t>
+              <a:t>12/4/2024</a:t>
             </a:fld>
             <a:endParaRPr lang="en-US"/>
           </a:p>
@@ -1816,7 +1816,7 @@
           <a:p>
             <a:fld id="{14FFEC6F-EAF0-4666-B59E-6BC66CA63AE0}" type="datetimeFigureOut">
               <a:rPr lang="en-US" smtClean="0"/>
-              <a:t>12/3/2024</a:t>
+              <a:t>12/4/2024</a:t>
             </a:fld>
             <a:endParaRPr lang="en-US"/>
           </a:p>
@@ -1957,7 +1957,7 @@
           <a:p>
             <a:fld id="{14FFEC6F-EAF0-4666-B59E-6BC66CA63AE0}" type="datetimeFigureOut">
               <a:rPr lang="en-US" smtClean="0"/>
-              <a:t>12/3/2024</a:t>
+              <a:t>12/4/2024</a:t>
             </a:fld>
             <a:endParaRPr lang="en-US"/>
           </a:p>
@@ -2070,7 +2070,7 @@
           <a:p>
             <a:fld id="{14FFEC6F-EAF0-4666-B59E-6BC66CA63AE0}" type="datetimeFigureOut">
               <a:rPr lang="en-US" smtClean="0"/>
-              <a:t>12/3/2024</a:t>
+              <a:t>12/4/2024</a:t>
             </a:fld>
             <a:endParaRPr lang="en-US"/>
           </a:p>
@@ -2381,7 +2381,7 @@
           <a:p>
             <a:fld id="{14FFEC6F-EAF0-4666-B59E-6BC66CA63AE0}" type="datetimeFigureOut">
               <a:rPr lang="en-US" smtClean="0"/>
-              <a:t>12/3/2024</a:t>
+              <a:t>12/4/2024</a:t>
             </a:fld>
             <a:endParaRPr lang="en-US"/>
           </a:p>
@@ -2669,7 +2669,7 @@
           <a:p>
             <a:fld id="{14FFEC6F-EAF0-4666-B59E-6BC66CA63AE0}" type="datetimeFigureOut">
               <a:rPr lang="en-US" smtClean="0"/>
-              <a:t>12/3/2024</a:t>
+              <a:t>12/4/2024</a:t>
             </a:fld>
             <a:endParaRPr lang="en-US"/>
           </a:p>
@@ -2910,7 +2910,7 @@
           <a:p>
             <a:fld id="{14FFEC6F-EAF0-4666-B59E-6BC66CA63AE0}" type="datetimeFigureOut">
               <a:rPr lang="en-US" smtClean="0"/>
-              <a:t>12/3/2024</a:t>
+              <a:t>12/4/2024</a:t>
             </a:fld>
             <a:endParaRPr lang="en-US"/>
           </a:p>
@@ -3327,54 +3327,19 @@
           <a:chExt cx="0" cy="0"/>
         </a:xfrm>
       </p:grpSpPr>
-      <p:sp>
-        <p:nvSpPr>
-          <p:cNvPr id="4" name="Title 3">
-            <a:extLst>
-              <a:ext uri="{FF2B5EF4-FFF2-40B4-BE49-F238E27FC236}">
-                <a16:creationId xmlns:a16="http://schemas.microsoft.com/office/drawing/2014/main" id="{D4281ABF-C77D-056C-A75C-880FAED6ED76}"/>
-              </a:ext>
-            </a:extLst>
-          </p:cNvPr>
-          <p:cNvSpPr>
-            <a:spLocks noGrp="1"/>
-          </p:cNvSpPr>
-          <p:nvPr>
-            <p:ph type="title"/>
-          </p:nvPr>
-        </p:nvSpPr>
-        <p:spPr>
-          <a:xfrm>
-            <a:off x="0" y="0"/>
-            <a:ext cx="7886700" cy="596166"/>
-          </a:xfrm>
-        </p:spPr>
-        <p:txBody>
-          <a:bodyPr/>
-          <a:lstStyle/>
-          <a:p>
-            <a:r>
-              <a:rPr lang="en-US" dirty="0"/>
-              <a:t>PRT Bus Utilization</a:t>
-            </a:r>
-          </a:p>
-        </p:txBody>
-      </p:sp>
       <p:pic>
         <p:nvPicPr>
-          <p:cNvPr id="6" name="Content Placeholder 5" descr="A circular chart with many colored squares&#10;&#10;Description automatically generated with medium confidence">
-            <a:extLst>
-              <a:ext uri="{FF2B5EF4-FFF2-40B4-BE49-F238E27FC236}">
-                <a16:creationId xmlns:a16="http://schemas.microsoft.com/office/drawing/2014/main" id="{5F337CBE-F421-1D56-900B-DFBFE8C6951B}"/>
+          <p:cNvPr id="18" name="Picture 17" descr="A circular chart with many colored squares&#10;&#10;Description automatically generated with medium confidence">
+            <a:extLst>
+              <a:ext uri="{FF2B5EF4-FFF2-40B4-BE49-F238E27FC236}">
+                <a16:creationId xmlns:a16="http://schemas.microsoft.com/office/drawing/2014/main" id="{0D4F2B53-00D0-8A53-4421-2F63878C61E4}"/>
               </a:ext>
             </a:extLst>
           </p:cNvPr>
           <p:cNvPicPr>
-            <a:picLocks noGrp="1" noChangeAspect="1"/>
+            <a:picLocks noChangeAspect="1"/>
           </p:cNvPicPr>
-          <p:nvPr>
-            <p:ph idx="1"/>
-          </p:nvPr>
+          <p:nvPr/>
         </p:nvPicPr>
         <p:blipFill>
           <a:blip r:embed="rId2">
@@ -3390,9 +3355,12 @@
         </p:blipFill>
         <p:spPr>
           <a:xfrm>
-            <a:off x="-1" y="989667"/>
-            <a:ext cx="6951785" cy="5868333"/>
+            <a:off x="40612" y="340420"/>
+            <a:ext cx="7418023" cy="6517579"/>
           </a:xfrm>
+          <a:prstGeom prst="rect">
+            <a:avLst/>
+          </a:prstGeom>
         </p:spPr>
       </p:pic>
       <p:pic>
@@ -3422,14 +3390,64 @@
         </p:blipFill>
         <p:spPr>
           <a:xfrm>
-            <a:off x="5586984" y="0"/>
-            <a:ext cx="3557016" cy="1879273"/>
+            <a:off x="6149817" y="1"/>
+            <a:ext cx="2994183" cy="1581912"/>
           </a:xfrm>
           <a:prstGeom prst="rect">
             <a:avLst/>
           </a:prstGeom>
         </p:spPr>
       </p:pic>
+      <p:sp>
+        <p:nvSpPr>
+          <p:cNvPr id="4" name="Title 3">
+            <a:extLst>
+              <a:ext uri="{FF2B5EF4-FFF2-40B4-BE49-F238E27FC236}">
+                <a16:creationId xmlns:a16="http://schemas.microsoft.com/office/drawing/2014/main" id="{D4281ABF-C77D-056C-A75C-880FAED6ED76}"/>
+              </a:ext>
+            </a:extLst>
+          </p:cNvPr>
+          <p:cNvSpPr>
+            <a:spLocks noGrp="1"/>
+          </p:cNvSpPr>
+          <p:nvPr>
+            <p:ph type="title"/>
+          </p:nvPr>
+        </p:nvSpPr>
+        <p:spPr>
+          <a:xfrm>
+            <a:off x="0" y="140568"/>
+            <a:ext cx="7886700" cy="596166"/>
+          </a:xfrm>
+        </p:spPr>
+        <p:txBody>
+          <a:bodyPr>
+            <a:normAutofit fontScale="90000"/>
+          </a:bodyPr>
+          <a:lstStyle/>
+          <a:p>
+            <a:r>
+              <a:rPr lang="en-US" b="1" dirty="0"/>
+              <a:t>PRT Bus Utilization</a:t>
+            </a:r>
+            <a:br>
+              <a:rPr lang="en-US" b="1" dirty="0"/>
+            </a:br>
+            <a:r>
+              <a:rPr lang="en-US" sz="2000" b="1" dirty="0"/>
+              <a:t>Eric Laslo</a:t>
+            </a:r>
+            <a:br>
+              <a:rPr lang="en-US" sz="2000" b="1" dirty="0"/>
+            </a:br>
+            <a:r>
+              <a:rPr lang="en-US" sz="2000" b="1" dirty="0"/>
+              <a:t>ERL67@pitt.edu</a:t>
+            </a:r>
+            <a:endParaRPr lang="en-US" b="1" dirty="0"/>
+          </a:p>
+        </p:txBody>
+      </p:sp>
     </p:spTree>
     <p:extLst>
       <p:ext uri="{BB962C8B-B14F-4D97-AF65-F5344CB8AC3E}">
@@ -3462,51 +3480,904 @@
       </p:grpSpPr>
       <p:sp>
         <p:nvSpPr>
-          <p:cNvPr id="2" name="Title 1">
-            <a:extLst>
-              <a:ext uri="{FF2B5EF4-FFF2-40B4-BE49-F238E27FC236}">
-                <a16:creationId xmlns:a16="http://schemas.microsoft.com/office/drawing/2014/main" id="{DA6BB499-EF56-113B-0B87-B2F15C9F5989}"/>
-              </a:ext>
-            </a:extLst>
-          </p:cNvPr>
-          <p:cNvSpPr>
-            <a:spLocks noGrp="1"/>
-          </p:cNvSpPr>
-          <p:nvPr>
-            <p:ph type="title"/>
-          </p:nvPr>
-        </p:nvSpPr>
-        <p:spPr/>
-        <p:txBody>
-          <a:bodyPr/>
-          <a:lstStyle/>
-          <a:p>
-            <a:endParaRPr lang="en-US"/>
-          </a:p>
-        </p:txBody>
-      </p:sp>
-      <p:sp>
-        <p:nvSpPr>
-          <p:cNvPr id="3" name="Content Placeholder 2">
-            <a:extLst>
-              <a:ext uri="{FF2B5EF4-FFF2-40B4-BE49-F238E27FC236}">
-                <a16:creationId xmlns:a16="http://schemas.microsoft.com/office/drawing/2014/main" id="{820A8BC6-93A9-D3B2-816B-2356A581E8F0}"/>
-              </a:ext>
-            </a:extLst>
-          </p:cNvPr>
-          <p:cNvSpPr>
-            <a:spLocks noGrp="1"/>
-          </p:cNvSpPr>
-          <p:nvPr>
-            <p:ph idx="1"/>
-          </p:nvPr>
-        </p:nvSpPr>
-        <p:spPr/>
-        <p:txBody>
-          <a:bodyPr/>
-          <a:lstStyle/>
-          <a:p>
-            <a:endParaRPr lang="en-US"/>
+          <p:cNvPr id="5" name="Content Placeholder 4">
+            <a:extLst>
+              <a:ext uri="{FF2B5EF4-FFF2-40B4-BE49-F238E27FC236}">
+                <a16:creationId xmlns:a16="http://schemas.microsoft.com/office/drawing/2014/main" id="{0D611531-7ED4-95E5-CD7B-3C0F1EBE4C70}"/>
+              </a:ext>
+            </a:extLst>
+          </p:cNvPr>
+          <p:cNvSpPr>
+            <a:spLocks noGrp="1"/>
+          </p:cNvSpPr>
+          <p:nvPr>
+            <p:ph sz="half" idx="1"/>
+          </p:nvPr>
+        </p:nvSpPr>
+        <p:spPr>
+          <a:xfrm>
+            <a:off x="628650" y="0"/>
+            <a:ext cx="3886200" cy="6858000"/>
+          </a:xfrm>
+        </p:spPr>
+        <p:txBody>
+          <a:bodyPr>
+            <a:normAutofit fontScale="85000" lnSpcReduction="10000"/>
+          </a:bodyPr>
+          <a:lstStyle/>
+          <a:p>
+            <a:pPr marL="0" indent="0" algn="ctr">
+              <a:buNone/>
+            </a:pPr>
+            <a:r>
+              <a:rPr lang="en-US" dirty="0"/>
+              <a:t>Legend</a:t>
+            </a:r>
+          </a:p>
+          <a:p>
+            <a:pPr marL="0" indent="0">
+              <a:buNone/>
+            </a:pPr>
+            <a:endParaRPr lang="en-US" dirty="0"/>
+          </a:p>
+          <a:p>
+            <a:pPr marL="342900" marR="0" lvl="0" indent="-342900">
+              <a:lnSpc>
+                <a:spcPct val="107000"/>
+              </a:lnSpc>
+              <a:spcBef>
+                <a:spcPts val="0"/>
+              </a:spcBef>
+              <a:spcAft>
+                <a:spcPts val="0"/>
+              </a:spcAft>
+              <a:buFont typeface="Symbol" panose="05050102010706020507" pitchFamily="18" charset="2"/>
+              <a:buChar char=""/>
+            </a:pPr>
+            <a:r>
+              <a:rPr lang="en-US" sz="1800" dirty="0">
+                <a:effectLst/>
+                <a:latin typeface="Calibri" panose="020F0502020204030204" pitchFamily="34" charset="0"/>
+                <a:ea typeface="Calibri" panose="020F0502020204030204" pitchFamily="34" charset="0"/>
+                <a:cs typeface="Times New Roman" panose="02020603050405020304" pitchFamily="18" charset="0"/>
+              </a:rPr>
+              <a:t>The outer circle denotes the month, going clockwise from Jan 2017 to Oct 2024</a:t>
+            </a:r>
+          </a:p>
+          <a:p>
+            <a:pPr marL="342900" marR="0" lvl="0" indent="-342900">
+              <a:lnSpc>
+                <a:spcPct val="107000"/>
+              </a:lnSpc>
+              <a:spcBef>
+                <a:spcPts val="0"/>
+              </a:spcBef>
+              <a:spcAft>
+                <a:spcPts val="0"/>
+              </a:spcAft>
+              <a:buFont typeface="Symbol" panose="05050102010706020507" pitchFamily="18" charset="2"/>
+              <a:buChar char=""/>
+            </a:pPr>
+            <a:endParaRPr lang="en-US" sz="1800" dirty="0">
+              <a:effectLst/>
+              <a:latin typeface="Calibri" panose="020F0502020204030204" pitchFamily="34" charset="0"/>
+              <a:ea typeface="Calibri" panose="020F0502020204030204" pitchFamily="34" charset="0"/>
+              <a:cs typeface="Times New Roman" panose="02020603050405020304" pitchFamily="18" charset="0"/>
+            </a:endParaRPr>
+          </a:p>
+          <a:p>
+            <a:pPr marL="342900" marR="0" lvl="0" indent="-342900">
+              <a:lnSpc>
+                <a:spcPct val="107000"/>
+              </a:lnSpc>
+              <a:spcBef>
+                <a:spcPts val="0"/>
+              </a:spcBef>
+              <a:spcAft>
+                <a:spcPts val="0"/>
+              </a:spcAft>
+              <a:buFont typeface="Symbol" panose="05050102010706020507" pitchFamily="18" charset="2"/>
+              <a:buChar char=""/>
+            </a:pPr>
+            <a:r>
+              <a:rPr lang="en-US" sz="1800" dirty="0">
+                <a:effectLst/>
+                <a:latin typeface="Calibri" panose="020F0502020204030204" pitchFamily="34" charset="0"/>
+                <a:ea typeface="Calibri" panose="020F0502020204030204" pitchFamily="34" charset="0"/>
+                <a:cs typeface="Times New Roman" panose="02020603050405020304" pitchFamily="18" charset="0"/>
+              </a:rPr>
+              <a:t>Each large pie slide (alternating gray and white) represents the entire year</a:t>
+            </a:r>
+          </a:p>
+          <a:p>
+            <a:pPr marL="342900" marR="0" lvl="0" indent="-342900">
+              <a:lnSpc>
+                <a:spcPct val="107000"/>
+              </a:lnSpc>
+              <a:spcBef>
+                <a:spcPts val="0"/>
+              </a:spcBef>
+              <a:spcAft>
+                <a:spcPts val="0"/>
+              </a:spcAft>
+              <a:buFont typeface="Symbol" panose="05050102010706020507" pitchFamily="18" charset="2"/>
+              <a:buChar char=""/>
+            </a:pPr>
+            <a:endParaRPr lang="en-US" sz="1800" dirty="0">
+              <a:effectLst/>
+              <a:latin typeface="Calibri" panose="020F0502020204030204" pitchFamily="34" charset="0"/>
+              <a:ea typeface="Calibri" panose="020F0502020204030204" pitchFamily="34" charset="0"/>
+              <a:cs typeface="Times New Roman" panose="02020603050405020304" pitchFamily="18" charset="0"/>
+            </a:endParaRPr>
+          </a:p>
+          <a:p>
+            <a:pPr marL="342900" marR="0" lvl="0" indent="-342900">
+              <a:lnSpc>
+                <a:spcPct val="107000"/>
+              </a:lnSpc>
+              <a:spcBef>
+                <a:spcPts val="0"/>
+              </a:spcBef>
+              <a:spcAft>
+                <a:spcPts val="0"/>
+              </a:spcAft>
+              <a:buFont typeface="Symbol" panose="05050102010706020507" pitchFamily="18" charset="2"/>
+              <a:buChar char=""/>
+            </a:pPr>
+            <a:r>
+              <a:rPr lang="en-US" sz="1800" dirty="0">
+                <a:effectLst/>
+                <a:latin typeface="Calibri" panose="020F0502020204030204" pitchFamily="34" charset="0"/>
+                <a:ea typeface="Calibri" panose="020F0502020204030204" pitchFamily="34" charset="0"/>
+                <a:cs typeface="Times New Roman" panose="02020603050405020304" pitchFamily="18" charset="0"/>
+              </a:rPr>
+              <a:t>The small radial lines represent a month</a:t>
+            </a:r>
+          </a:p>
+          <a:p>
+            <a:pPr marL="342900" marR="0" lvl="0" indent="-342900">
+              <a:lnSpc>
+                <a:spcPct val="107000"/>
+              </a:lnSpc>
+              <a:spcBef>
+                <a:spcPts val="0"/>
+              </a:spcBef>
+              <a:spcAft>
+                <a:spcPts val="0"/>
+              </a:spcAft>
+              <a:buFont typeface="Symbol" panose="05050102010706020507" pitchFamily="18" charset="2"/>
+              <a:buChar char=""/>
+            </a:pPr>
+            <a:endParaRPr lang="en-US" sz="1800" dirty="0">
+              <a:effectLst/>
+              <a:latin typeface="Calibri" panose="020F0502020204030204" pitchFamily="34" charset="0"/>
+              <a:ea typeface="Calibri" panose="020F0502020204030204" pitchFamily="34" charset="0"/>
+              <a:cs typeface="Times New Roman" panose="02020603050405020304" pitchFamily="18" charset="0"/>
+            </a:endParaRPr>
+          </a:p>
+          <a:p>
+            <a:pPr marL="342900" marR="0" lvl="0" indent="-342900">
+              <a:lnSpc>
+                <a:spcPct val="107000"/>
+              </a:lnSpc>
+              <a:spcBef>
+                <a:spcPts val="0"/>
+              </a:spcBef>
+              <a:spcAft>
+                <a:spcPts val="0"/>
+              </a:spcAft>
+              <a:buFont typeface="Symbol" panose="05050102010706020507" pitchFamily="18" charset="2"/>
+              <a:buChar char=""/>
+            </a:pPr>
+            <a:r>
+              <a:rPr lang="en-US" sz="1800" dirty="0">
+                <a:effectLst/>
+                <a:latin typeface="Calibri" panose="020F0502020204030204" pitchFamily="34" charset="0"/>
+                <a:ea typeface="Calibri" panose="020F0502020204030204" pitchFamily="34" charset="0"/>
+                <a:cs typeface="Times New Roman" panose="02020603050405020304" pitchFamily="18" charset="0"/>
+              </a:rPr>
+              <a:t>The length of the bar is the total monthly ridership</a:t>
+            </a:r>
+          </a:p>
+          <a:p>
+            <a:pPr marL="342900" marR="0" lvl="0" indent="-342900">
+              <a:lnSpc>
+                <a:spcPct val="107000"/>
+              </a:lnSpc>
+              <a:spcBef>
+                <a:spcPts val="0"/>
+              </a:spcBef>
+              <a:spcAft>
+                <a:spcPts val="0"/>
+              </a:spcAft>
+              <a:buFont typeface="Symbol" panose="05050102010706020507" pitchFamily="18" charset="2"/>
+              <a:buChar char=""/>
+            </a:pPr>
+            <a:endParaRPr lang="en-US" sz="1800" dirty="0">
+              <a:effectLst/>
+              <a:latin typeface="Calibri" panose="020F0502020204030204" pitchFamily="34" charset="0"/>
+              <a:ea typeface="Calibri" panose="020F0502020204030204" pitchFamily="34" charset="0"/>
+              <a:cs typeface="Times New Roman" panose="02020603050405020304" pitchFamily="18" charset="0"/>
+            </a:endParaRPr>
+          </a:p>
+          <a:p>
+            <a:pPr marL="342900" marR="0" lvl="0" indent="-342900">
+              <a:lnSpc>
+                <a:spcPct val="107000"/>
+              </a:lnSpc>
+              <a:spcBef>
+                <a:spcPts val="0"/>
+              </a:spcBef>
+              <a:spcAft>
+                <a:spcPts val="0"/>
+              </a:spcAft>
+              <a:buFont typeface="Symbol" panose="05050102010706020507" pitchFamily="18" charset="2"/>
+              <a:buChar char=""/>
+            </a:pPr>
+            <a:r>
+              <a:rPr lang="en-US" sz="1800" dirty="0">
+                <a:effectLst/>
+                <a:latin typeface="Calibri" panose="020F0502020204030204" pitchFamily="34" charset="0"/>
+                <a:ea typeface="Calibri" panose="020F0502020204030204" pitchFamily="34" charset="0"/>
+                <a:cs typeface="Times New Roman" panose="02020603050405020304" pitchFamily="18" charset="0"/>
+              </a:rPr>
+              <a:t>Each bar is divided into the individual routes by color</a:t>
+            </a:r>
+          </a:p>
+          <a:p>
+            <a:pPr marL="342900" marR="0" lvl="0" indent="-342900">
+              <a:lnSpc>
+                <a:spcPct val="107000"/>
+              </a:lnSpc>
+              <a:spcBef>
+                <a:spcPts val="0"/>
+              </a:spcBef>
+              <a:spcAft>
+                <a:spcPts val="0"/>
+              </a:spcAft>
+              <a:buFont typeface="Symbol" panose="05050102010706020507" pitchFamily="18" charset="2"/>
+              <a:buChar char=""/>
+            </a:pPr>
+            <a:endParaRPr lang="en-US" sz="1800" dirty="0">
+              <a:effectLst/>
+              <a:latin typeface="Calibri" panose="020F0502020204030204" pitchFamily="34" charset="0"/>
+              <a:ea typeface="Calibri" panose="020F0502020204030204" pitchFamily="34" charset="0"/>
+              <a:cs typeface="Times New Roman" panose="02020603050405020304" pitchFamily="18" charset="0"/>
+            </a:endParaRPr>
+          </a:p>
+          <a:p>
+            <a:pPr marL="342900" marR="0" lvl="0" indent="-342900">
+              <a:lnSpc>
+                <a:spcPct val="107000"/>
+              </a:lnSpc>
+              <a:spcBef>
+                <a:spcPts val="0"/>
+              </a:spcBef>
+              <a:spcAft>
+                <a:spcPts val="0"/>
+              </a:spcAft>
+              <a:buFont typeface="Symbol" panose="05050102010706020507" pitchFamily="18" charset="2"/>
+              <a:buChar char=""/>
+            </a:pPr>
+            <a:r>
+              <a:rPr lang="en-US" sz="1800" dirty="0">
+                <a:effectLst/>
+                <a:latin typeface="Calibri" panose="020F0502020204030204" pitchFamily="34" charset="0"/>
+                <a:ea typeface="Calibri" panose="020F0502020204030204" pitchFamily="34" charset="0"/>
+                <a:cs typeface="Times New Roman" panose="02020603050405020304" pitchFamily="18" charset="0"/>
+              </a:rPr>
+              <a:t>The segment size of each bar is the total ridership on that route for that month</a:t>
+            </a:r>
+          </a:p>
+          <a:p>
+            <a:pPr marL="342900" marR="0" lvl="0" indent="-342900">
+              <a:lnSpc>
+                <a:spcPct val="107000"/>
+              </a:lnSpc>
+              <a:spcBef>
+                <a:spcPts val="0"/>
+              </a:spcBef>
+              <a:spcAft>
+                <a:spcPts val="0"/>
+              </a:spcAft>
+              <a:buFont typeface="Symbol" panose="05050102010706020507" pitchFamily="18" charset="2"/>
+              <a:buChar char=""/>
+            </a:pPr>
+            <a:endParaRPr lang="en-US" sz="1800" dirty="0">
+              <a:effectLst/>
+              <a:latin typeface="Calibri" panose="020F0502020204030204" pitchFamily="34" charset="0"/>
+              <a:ea typeface="Calibri" panose="020F0502020204030204" pitchFamily="34" charset="0"/>
+              <a:cs typeface="Times New Roman" panose="02020603050405020304" pitchFamily="18" charset="0"/>
+            </a:endParaRPr>
+          </a:p>
+          <a:p>
+            <a:pPr marL="342900" marR="0" lvl="0" indent="-342900">
+              <a:lnSpc>
+                <a:spcPct val="107000"/>
+              </a:lnSpc>
+              <a:spcBef>
+                <a:spcPts val="0"/>
+              </a:spcBef>
+              <a:spcAft>
+                <a:spcPts val="0"/>
+              </a:spcAft>
+              <a:buFont typeface="Symbol" panose="05050102010706020507" pitchFamily="18" charset="2"/>
+              <a:buChar char=""/>
+            </a:pPr>
+            <a:r>
+              <a:rPr lang="en-US" sz="1800" dirty="0">
+                <a:effectLst/>
+                <a:latin typeface="Calibri" panose="020F0502020204030204" pitchFamily="34" charset="0"/>
+                <a:ea typeface="Calibri" panose="020F0502020204030204" pitchFamily="34" charset="0"/>
+                <a:cs typeface="Times New Roman" panose="02020603050405020304" pitchFamily="18" charset="0"/>
+              </a:rPr>
+              <a:t>The bar color groupings generally align with the various routes and make it easier to see</a:t>
+            </a:r>
+          </a:p>
+          <a:p>
+            <a:pPr marL="342900" marR="0" lvl="0" indent="-342900">
+              <a:lnSpc>
+                <a:spcPct val="107000"/>
+              </a:lnSpc>
+              <a:spcBef>
+                <a:spcPts val="0"/>
+              </a:spcBef>
+              <a:spcAft>
+                <a:spcPts val="0"/>
+              </a:spcAft>
+              <a:buFont typeface="Symbol" panose="05050102010706020507" pitchFamily="18" charset="2"/>
+              <a:buChar char=""/>
+            </a:pPr>
+            <a:endParaRPr lang="en-US" sz="1800" dirty="0">
+              <a:effectLst/>
+              <a:latin typeface="Calibri" panose="020F0502020204030204" pitchFamily="34" charset="0"/>
+              <a:ea typeface="Calibri" panose="020F0502020204030204" pitchFamily="34" charset="0"/>
+              <a:cs typeface="Times New Roman" panose="02020603050405020304" pitchFamily="18" charset="0"/>
+            </a:endParaRPr>
+          </a:p>
+          <a:p>
+            <a:pPr marL="342900" marR="0" lvl="0" indent="-342900">
+              <a:lnSpc>
+                <a:spcPct val="107000"/>
+              </a:lnSpc>
+              <a:spcBef>
+                <a:spcPts val="0"/>
+              </a:spcBef>
+              <a:spcAft>
+                <a:spcPts val="0"/>
+              </a:spcAft>
+              <a:buFont typeface="Symbol" panose="05050102010706020507" pitchFamily="18" charset="2"/>
+              <a:buChar char=""/>
+            </a:pPr>
+            <a:r>
+              <a:rPr lang="en-US" sz="1800" dirty="0">
+                <a:effectLst/>
+                <a:latin typeface="Calibri" panose="020F0502020204030204" pitchFamily="34" charset="0"/>
+                <a:ea typeface="Calibri" panose="020F0502020204030204" pitchFamily="34" charset="0"/>
+                <a:cs typeface="Times New Roman" panose="02020603050405020304" pitchFamily="18" charset="0"/>
+              </a:rPr>
+              <a:t>The radius of the circle denotes the total ridership in intervals of 100,000, going to a maximum of 500,000</a:t>
+            </a:r>
+          </a:p>
+          <a:p>
+            <a:pPr marL="342900" marR="0" lvl="0" indent="-342900">
+              <a:lnSpc>
+                <a:spcPct val="107000"/>
+              </a:lnSpc>
+              <a:spcBef>
+                <a:spcPts val="0"/>
+              </a:spcBef>
+              <a:spcAft>
+                <a:spcPts val="0"/>
+              </a:spcAft>
+              <a:buFont typeface="Symbol" panose="05050102010706020507" pitchFamily="18" charset="2"/>
+              <a:buChar char=""/>
+            </a:pPr>
+            <a:endParaRPr lang="en-US" sz="1800" dirty="0">
+              <a:effectLst/>
+              <a:latin typeface="Calibri" panose="020F0502020204030204" pitchFamily="34" charset="0"/>
+              <a:ea typeface="Calibri" panose="020F0502020204030204" pitchFamily="34" charset="0"/>
+              <a:cs typeface="Times New Roman" panose="02020603050405020304" pitchFamily="18" charset="0"/>
+            </a:endParaRPr>
+          </a:p>
+          <a:p>
+            <a:pPr marL="342900" marR="0" lvl="0" indent="-342900">
+              <a:lnSpc>
+                <a:spcPct val="107000"/>
+              </a:lnSpc>
+              <a:spcBef>
+                <a:spcPts val="0"/>
+              </a:spcBef>
+              <a:spcAft>
+                <a:spcPts val="0"/>
+              </a:spcAft>
+              <a:buFont typeface="Symbol" panose="05050102010706020507" pitchFamily="18" charset="2"/>
+              <a:buChar char=""/>
+            </a:pPr>
+            <a:r>
+              <a:rPr lang="en-US" sz="1800" dirty="0">
+                <a:effectLst/>
+                <a:latin typeface="Calibri" panose="020F0502020204030204" pitchFamily="34" charset="0"/>
+                <a:ea typeface="Calibri" panose="020F0502020204030204" pitchFamily="34" charset="0"/>
+                <a:cs typeface="Times New Roman" panose="02020603050405020304" pitchFamily="18" charset="0"/>
+              </a:rPr>
+              <a:t>The thick black line on the 20-03 radii indicates the start of the Covid-19 pandemic</a:t>
+            </a:r>
+          </a:p>
+          <a:p>
+            <a:pPr marL="0" indent="0">
+              <a:buNone/>
+            </a:pPr>
+            <a:endParaRPr lang="en-US" dirty="0"/>
+          </a:p>
+        </p:txBody>
+      </p:sp>
+      <p:sp>
+        <p:nvSpPr>
+          <p:cNvPr id="6" name="Content Placeholder 5">
+            <a:extLst>
+              <a:ext uri="{FF2B5EF4-FFF2-40B4-BE49-F238E27FC236}">
+                <a16:creationId xmlns:a16="http://schemas.microsoft.com/office/drawing/2014/main" id="{0BA8F020-F3EE-8832-9715-AE4BE9CF8ADB}"/>
+              </a:ext>
+            </a:extLst>
+          </p:cNvPr>
+          <p:cNvSpPr>
+            <a:spLocks noGrp="1"/>
+          </p:cNvSpPr>
+          <p:nvPr>
+            <p:ph sz="half" idx="2"/>
+          </p:nvPr>
+        </p:nvSpPr>
+        <p:spPr>
+          <a:xfrm>
+            <a:off x="4629152" y="0"/>
+            <a:ext cx="3886200" cy="3757961"/>
+          </a:xfrm>
+        </p:spPr>
+        <p:txBody>
+          <a:bodyPr>
+            <a:normAutofit fontScale="85000" lnSpcReduction="10000"/>
+          </a:bodyPr>
+          <a:lstStyle/>
+          <a:p>
+            <a:pPr marL="0" indent="0" algn="ctr">
+              <a:buNone/>
+            </a:pPr>
+            <a:r>
+              <a:rPr lang="en-US" dirty="0"/>
+              <a:t>Findings</a:t>
+            </a:r>
+          </a:p>
+          <a:p>
+            <a:pPr marL="0" indent="0" algn="ctr">
+              <a:buNone/>
+            </a:pPr>
+            <a:endParaRPr lang="en-US" dirty="0"/>
+          </a:p>
+          <a:p>
+            <a:pPr marL="342900" marR="0" lvl="0" indent="-342900">
+              <a:lnSpc>
+                <a:spcPct val="107000"/>
+              </a:lnSpc>
+              <a:spcBef>
+                <a:spcPts val="0"/>
+              </a:spcBef>
+              <a:spcAft>
+                <a:spcPts val="0"/>
+              </a:spcAft>
+              <a:buFont typeface="Symbol" panose="05050102010706020507" pitchFamily="18" charset="2"/>
+              <a:buChar char=""/>
+            </a:pPr>
+            <a:r>
+              <a:rPr lang="en-US" sz="1800" dirty="0">
+                <a:effectLst/>
+                <a:latin typeface="Calibri" panose="020F0502020204030204" pitchFamily="34" charset="0"/>
+                <a:ea typeface="Calibri" panose="020F0502020204030204" pitchFamily="34" charset="0"/>
+                <a:cs typeface="Times New Roman" panose="02020603050405020304" pitchFamily="18" charset="0"/>
+              </a:rPr>
+              <a:t>The graph shows how much the ridership dropped during the pandemic, starting March 2020.</a:t>
+            </a:r>
+          </a:p>
+          <a:p>
+            <a:pPr marL="342900" marR="0" lvl="0" indent="-342900">
+              <a:lnSpc>
+                <a:spcPct val="107000"/>
+              </a:lnSpc>
+              <a:spcBef>
+                <a:spcPts val="0"/>
+              </a:spcBef>
+              <a:spcAft>
+                <a:spcPts val="0"/>
+              </a:spcAft>
+              <a:buFont typeface="Symbol" panose="05050102010706020507" pitchFamily="18" charset="2"/>
+              <a:buChar char=""/>
+            </a:pPr>
+            <a:endParaRPr lang="en-US" sz="1800" dirty="0">
+              <a:effectLst/>
+              <a:latin typeface="Calibri" panose="020F0502020204030204" pitchFamily="34" charset="0"/>
+              <a:ea typeface="Calibri" panose="020F0502020204030204" pitchFamily="34" charset="0"/>
+              <a:cs typeface="Times New Roman" panose="02020603050405020304" pitchFamily="18" charset="0"/>
+            </a:endParaRPr>
+          </a:p>
+          <a:p>
+            <a:pPr marL="342900" marR="0" lvl="0" indent="-342900">
+              <a:lnSpc>
+                <a:spcPct val="107000"/>
+              </a:lnSpc>
+              <a:spcBef>
+                <a:spcPts val="0"/>
+              </a:spcBef>
+              <a:spcAft>
+                <a:spcPts val="0"/>
+              </a:spcAft>
+              <a:buFont typeface="Symbol" panose="05050102010706020507" pitchFamily="18" charset="2"/>
+              <a:buChar char=""/>
+            </a:pPr>
+            <a:r>
+              <a:rPr lang="en-US" sz="1800" dirty="0">
+                <a:effectLst/>
+                <a:latin typeface="Calibri" panose="020F0502020204030204" pitchFamily="34" charset="0"/>
+                <a:ea typeface="Calibri" panose="020F0502020204030204" pitchFamily="34" charset="0"/>
+                <a:cs typeface="Times New Roman" panose="02020603050405020304" pitchFamily="18" charset="0"/>
+              </a:rPr>
+              <a:t>The graph also shows how the ridership has only recovered to approximately 65% of pre-pandemic levels.</a:t>
+            </a:r>
+          </a:p>
+          <a:p>
+            <a:pPr marL="342900" marR="0" lvl="0" indent="-342900">
+              <a:lnSpc>
+                <a:spcPct val="107000"/>
+              </a:lnSpc>
+              <a:spcBef>
+                <a:spcPts val="0"/>
+              </a:spcBef>
+              <a:spcAft>
+                <a:spcPts val="0"/>
+              </a:spcAft>
+              <a:buFont typeface="Symbol" panose="05050102010706020507" pitchFamily="18" charset="2"/>
+              <a:buChar char=""/>
+            </a:pPr>
+            <a:endParaRPr lang="en-US" sz="1800" dirty="0">
+              <a:effectLst/>
+              <a:latin typeface="Calibri" panose="020F0502020204030204" pitchFamily="34" charset="0"/>
+              <a:ea typeface="Calibri" panose="020F0502020204030204" pitchFamily="34" charset="0"/>
+              <a:cs typeface="Times New Roman" panose="02020603050405020304" pitchFamily="18" charset="0"/>
+            </a:endParaRPr>
+          </a:p>
+          <a:p>
+            <a:pPr marL="342900" marR="0" lvl="0" indent="-342900">
+              <a:lnSpc>
+                <a:spcPct val="107000"/>
+              </a:lnSpc>
+              <a:spcBef>
+                <a:spcPts val="0"/>
+              </a:spcBef>
+              <a:spcAft>
+                <a:spcPts val="0"/>
+              </a:spcAft>
+              <a:buFont typeface="Symbol" panose="05050102010706020507" pitchFamily="18" charset="2"/>
+              <a:buChar char=""/>
+            </a:pPr>
+            <a:r>
+              <a:rPr lang="en-US" sz="1800" dirty="0">
+                <a:effectLst/>
+                <a:latin typeface="Calibri" panose="020F0502020204030204" pitchFamily="34" charset="0"/>
+                <a:ea typeface="Calibri" panose="020F0502020204030204" pitchFamily="34" charset="0"/>
+                <a:cs typeface="Times New Roman" panose="02020603050405020304" pitchFamily="18" charset="0"/>
+              </a:rPr>
+              <a:t>Also of note is that ridership peaks each year around August and September, which correlates with the start of school.</a:t>
+            </a:r>
+          </a:p>
+          <a:p>
+            <a:pPr marL="342900" marR="0" lvl="0" indent="-342900">
+              <a:lnSpc>
+                <a:spcPct val="107000"/>
+              </a:lnSpc>
+              <a:spcBef>
+                <a:spcPts val="0"/>
+              </a:spcBef>
+              <a:spcAft>
+                <a:spcPts val="0"/>
+              </a:spcAft>
+              <a:buFont typeface="Symbol" panose="05050102010706020507" pitchFamily="18" charset="2"/>
+              <a:buChar char=""/>
+            </a:pPr>
+            <a:endParaRPr lang="en-US" sz="1800" dirty="0">
+              <a:latin typeface="Calibri" panose="020F0502020204030204" pitchFamily="34" charset="0"/>
+              <a:ea typeface="Calibri" panose="020F0502020204030204" pitchFamily="34" charset="0"/>
+              <a:cs typeface="Times New Roman" panose="02020603050405020304" pitchFamily="18" charset="0"/>
+            </a:endParaRPr>
+          </a:p>
+          <a:p>
+            <a:pPr marL="342900" marR="0" lvl="0" indent="-342900">
+              <a:lnSpc>
+                <a:spcPct val="107000"/>
+              </a:lnSpc>
+              <a:spcBef>
+                <a:spcPts val="0"/>
+              </a:spcBef>
+              <a:spcAft>
+                <a:spcPts val="0"/>
+              </a:spcAft>
+              <a:buFont typeface="Symbol" panose="05050102010706020507" pitchFamily="18" charset="2"/>
+              <a:buChar char=""/>
+            </a:pPr>
+            <a:r>
+              <a:rPr lang="en-US" sz="1800" dirty="0">
+                <a:effectLst/>
+                <a:latin typeface="Calibri" panose="020F0502020204030204" pitchFamily="34" charset="0"/>
+                <a:ea typeface="Calibri" panose="020F0502020204030204" pitchFamily="34" charset="0"/>
+                <a:cs typeface="Times New Roman" panose="02020603050405020304" pitchFamily="18" charset="0"/>
+              </a:rPr>
+              <a:t>Could be useful when analyzing bus route realignment and prioritizing certain routes.</a:t>
+            </a:r>
+          </a:p>
+          <a:p>
+            <a:pPr marL="0" indent="0">
+              <a:buNone/>
+            </a:pPr>
+            <a:endParaRPr lang="en-US" dirty="0"/>
+          </a:p>
+        </p:txBody>
+      </p:sp>
+      <p:sp>
+        <p:nvSpPr>
+          <p:cNvPr id="2" name="Content Placeholder 5">
+            <a:extLst>
+              <a:ext uri="{FF2B5EF4-FFF2-40B4-BE49-F238E27FC236}">
+                <a16:creationId xmlns:a16="http://schemas.microsoft.com/office/drawing/2014/main" id="{18301BCC-548B-869C-8919-7A73DBA5E0A5}"/>
+              </a:ext>
+            </a:extLst>
+          </p:cNvPr>
+          <p:cNvSpPr txBox="1">
+            <a:spLocks/>
+          </p:cNvSpPr>
+          <p:nvPr/>
+        </p:nvSpPr>
+        <p:spPr>
+          <a:xfrm>
+            <a:off x="4781552" y="3880624"/>
+            <a:ext cx="3886200" cy="3129776"/>
+          </a:xfrm>
+          <a:prstGeom prst="rect">
+            <a:avLst/>
+          </a:prstGeom>
+        </p:spPr>
+        <p:txBody>
+          <a:bodyPr vert="horz" lIns="91440" tIns="45720" rIns="91440" bIns="45720" rtlCol="0">
+            <a:normAutofit/>
+          </a:bodyPr>
+          <a:lstStyle>
+            <a:lvl1pPr marL="171450" indent="-171450" algn="l" defTabSz="685800" rtl="0" eaLnBrk="1" latinLnBrk="0" hangingPunct="1">
+              <a:lnSpc>
+                <a:spcPct val="90000"/>
+              </a:lnSpc>
+              <a:spcBef>
+                <a:spcPts val="750"/>
+              </a:spcBef>
+              <a:buFont typeface="Arial" panose="020B0604020202020204" pitchFamily="34" charset="0"/>
+              <a:buChar char="•"/>
+              <a:defRPr sz="2100" kern="1200">
+                <a:solidFill>
+                  <a:schemeClr val="tx1"/>
+                </a:solidFill>
+                <a:latin typeface="+mn-lt"/>
+                <a:ea typeface="+mn-ea"/>
+                <a:cs typeface="+mn-cs"/>
+              </a:defRPr>
+            </a:lvl1pPr>
+            <a:lvl2pPr marL="514350" indent="-171450" algn="l" defTabSz="685800" rtl="0" eaLnBrk="1" latinLnBrk="0" hangingPunct="1">
+              <a:lnSpc>
+                <a:spcPct val="90000"/>
+              </a:lnSpc>
+              <a:spcBef>
+                <a:spcPts val="375"/>
+              </a:spcBef>
+              <a:buFont typeface="Arial" panose="020B0604020202020204" pitchFamily="34" charset="0"/>
+              <a:buChar char="•"/>
+              <a:defRPr sz="1800" kern="1200">
+                <a:solidFill>
+                  <a:schemeClr val="tx1"/>
+                </a:solidFill>
+                <a:latin typeface="+mn-lt"/>
+                <a:ea typeface="+mn-ea"/>
+                <a:cs typeface="+mn-cs"/>
+              </a:defRPr>
+            </a:lvl2pPr>
+            <a:lvl3pPr marL="857250" indent="-171450" algn="l" defTabSz="685800" rtl="0" eaLnBrk="1" latinLnBrk="0" hangingPunct="1">
+              <a:lnSpc>
+                <a:spcPct val="90000"/>
+              </a:lnSpc>
+              <a:spcBef>
+                <a:spcPts val="375"/>
+              </a:spcBef>
+              <a:buFont typeface="Arial" panose="020B0604020202020204" pitchFamily="34" charset="0"/>
+              <a:buChar char="•"/>
+              <a:defRPr sz="1500" kern="1200">
+                <a:solidFill>
+                  <a:schemeClr val="tx1"/>
+                </a:solidFill>
+                <a:latin typeface="+mn-lt"/>
+                <a:ea typeface="+mn-ea"/>
+                <a:cs typeface="+mn-cs"/>
+              </a:defRPr>
+            </a:lvl3pPr>
+            <a:lvl4pPr marL="1200150" indent="-171450" algn="l" defTabSz="685800" rtl="0" eaLnBrk="1" latinLnBrk="0" hangingPunct="1">
+              <a:lnSpc>
+                <a:spcPct val="90000"/>
+              </a:lnSpc>
+              <a:spcBef>
+                <a:spcPts val="375"/>
+              </a:spcBef>
+              <a:buFont typeface="Arial" panose="020B0604020202020204" pitchFamily="34" charset="0"/>
+              <a:buChar char="•"/>
+              <a:defRPr sz="1350" kern="1200">
+                <a:solidFill>
+                  <a:schemeClr val="tx1"/>
+                </a:solidFill>
+                <a:latin typeface="+mn-lt"/>
+                <a:ea typeface="+mn-ea"/>
+                <a:cs typeface="+mn-cs"/>
+              </a:defRPr>
+            </a:lvl4pPr>
+            <a:lvl5pPr marL="1543050" indent="-171450" algn="l" defTabSz="685800" rtl="0" eaLnBrk="1" latinLnBrk="0" hangingPunct="1">
+              <a:lnSpc>
+                <a:spcPct val="90000"/>
+              </a:lnSpc>
+              <a:spcBef>
+                <a:spcPts val="375"/>
+              </a:spcBef>
+              <a:buFont typeface="Arial" panose="020B0604020202020204" pitchFamily="34" charset="0"/>
+              <a:buChar char="•"/>
+              <a:defRPr sz="1350" kern="1200">
+                <a:solidFill>
+                  <a:schemeClr val="tx1"/>
+                </a:solidFill>
+                <a:latin typeface="+mn-lt"/>
+                <a:ea typeface="+mn-ea"/>
+                <a:cs typeface="+mn-cs"/>
+              </a:defRPr>
+            </a:lvl5pPr>
+            <a:lvl6pPr marL="1885950" indent="-171450" algn="l" defTabSz="685800" rtl="0" eaLnBrk="1" latinLnBrk="0" hangingPunct="1">
+              <a:lnSpc>
+                <a:spcPct val="90000"/>
+              </a:lnSpc>
+              <a:spcBef>
+                <a:spcPts val="375"/>
+              </a:spcBef>
+              <a:buFont typeface="Arial" panose="020B0604020202020204" pitchFamily="34" charset="0"/>
+              <a:buChar char="•"/>
+              <a:defRPr sz="1350" kern="1200">
+                <a:solidFill>
+                  <a:schemeClr val="tx1"/>
+                </a:solidFill>
+                <a:latin typeface="+mn-lt"/>
+                <a:ea typeface="+mn-ea"/>
+                <a:cs typeface="+mn-cs"/>
+              </a:defRPr>
+            </a:lvl6pPr>
+            <a:lvl7pPr marL="2228850" indent="-171450" algn="l" defTabSz="685800" rtl="0" eaLnBrk="1" latinLnBrk="0" hangingPunct="1">
+              <a:lnSpc>
+                <a:spcPct val="90000"/>
+              </a:lnSpc>
+              <a:spcBef>
+                <a:spcPts val="375"/>
+              </a:spcBef>
+              <a:buFont typeface="Arial" panose="020B0604020202020204" pitchFamily="34" charset="0"/>
+              <a:buChar char="•"/>
+              <a:defRPr sz="1350" kern="1200">
+                <a:solidFill>
+                  <a:schemeClr val="tx1"/>
+                </a:solidFill>
+                <a:latin typeface="+mn-lt"/>
+                <a:ea typeface="+mn-ea"/>
+                <a:cs typeface="+mn-cs"/>
+              </a:defRPr>
+            </a:lvl7pPr>
+            <a:lvl8pPr marL="2571750" indent="-171450" algn="l" defTabSz="685800" rtl="0" eaLnBrk="1" latinLnBrk="0" hangingPunct="1">
+              <a:lnSpc>
+                <a:spcPct val="90000"/>
+              </a:lnSpc>
+              <a:spcBef>
+                <a:spcPts val="375"/>
+              </a:spcBef>
+              <a:buFont typeface="Arial" panose="020B0604020202020204" pitchFamily="34" charset="0"/>
+              <a:buChar char="•"/>
+              <a:defRPr sz="1350" kern="1200">
+                <a:solidFill>
+                  <a:schemeClr val="tx1"/>
+                </a:solidFill>
+                <a:latin typeface="+mn-lt"/>
+                <a:ea typeface="+mn-ea"/>
+                <a:cs typeface="+mn-cs"/>
+              </a:defRPr>
+            </a:lvl8pPr>
+            <a:lvl9pPr marL="2914650" indent="-171450" algn="l" defTabSz="685800" rtl="0" eaLnBrk="1" latinLnBrk="0" hangingPunct="1">
+              <a:lnSpc>
+                <a:spcPct val="90000"/>
+              </a:lnSpc>
+              <a:spcBef>
+                <a:spcPts val="375"/>
+              </a:spcBef>
+              <a:buFont typeface="Arial" panose="020B0604020202020204" pitchFamily="34" charset="0"/>
+              <a:buChar char="•"/>
+              <a:defRPr sz="1350" kern="1200">
+                <a:solidFill>
+                  <a:schemeClr val="tx1"/>
+                </a:solidFill>
+                <a:latin typeface="+mn-lt"/>
+                <a:ea typeface="+mn-ea"/>
+                <a:cs typeface="+mn-cs"/>
+              </a:defRPr>
+            </a:lvl9pPr>
+          </a:lstStyle>
+          <a:p>
+            <a:pPr marL="0" indent="0" algn="ctr">
+              <a:buFont typeface="Arial" panose="020B0604020202020204" pitchFamily="34" charset="0"/>
+              <a:buNone/>
+            </a:pPr>
+            <a:r>
+              <a:rPr lang="en-US" sz="1800" dirty="0"/>
+              <a:t>Data Source</a:t>
+            </a:r>
+          </a:p>
+          <a:p>
+            <a:pPr marL="0" indent="0" algn="ctr">
+              <a:buNone/>
+            </a:pPr>
+            <a:r>
+              <a:rPr lang="en-US" sz="1800" u="sng" dirty="0">
+                <a:solidFill>
+                  <a:srgbClr val="0563C1"/>
+                </a:solidFill>
+                <a:effectLst/>
+                <a:latin typeface="Calibri" panose="020F0502020204030204" pitchFamily="34" charset="0"/>
+                <a:ea typeface="Calibri" panose="020F0502020204030204" pitchFamily="34" charset="0"/>
+                <a:cs typeface="Times New Roman" panose="02020603050405020304" pitchFamily="18" charset="0"/>
+                <a:hlinkClick r:id="rId2"/>
+              </a:rPr>
+              <a:t>https://data.wprdc.org/dataset/prt-monthly-average-ridership-by-route</a:t>
+            </a:r>
+            <a:endParaRPr lang="en-US" sz="1800" dirty="0">
+              <a:effectLst/>
+              <a:latin typeface="Calibri" panose="020F0502020204030204" pitchFamily="34" charset="0"/>
+              <a:ea typeface="Calibri" panose="020F0502020204030204" pitchFamily="34" charset="0"/>
+              <a:cs typeface="Times New Roman" panose="02020603050405020304" pitchFamily="18" charset="0"/>
+            </a:endParaRPr>
+          </a:p>
+          <a:p>
+            <a:pPr marL="0" indent="0" algn="ctr">
+              <a:buFont typeface="Arial" panose="020B0604020202020204" pitchFamily="34" charset="0"/>
+              <a:buNone/>
+            </a:pPr>
+            <a:endParaRPr lang="en-US" sz="1800" dirty="0"/>
+          </a:p>
+          <a:p>
+            <a:pPr marL="0" indent="0" algn="ctr">
+              <a:buFont typeface="Arial" panose="020B0604020202020204" pitchFamily="34" charset="0"/>
+              <a:buNone/>
+            </a:pPr>
+            <a:r>
+              <a:rPr lang="en-US" sz="1800" dirty="0"/>
+              <a:t>Github</a:t>
+            </a:r>
+          </a:p>
+          <a:p>
+            <a:pPr marL="0" indent="0" algn="ctr">
+              <a:buFont typeface="Arial" panose="020B0604020202020204" pitchFamily="34" charset="0"/>
+              <a:buNone/>
+            </a:pPr>
+            <a:r>
+              <a:rPr lang="en-US" sz="1800">
+                <a:hlinkClick r:id="rId3"/>
+              </a:rPr>
+              <a:t>https://github.com/erl67/InfoVizProject</a:t>
+            </a:r>
+            <a:r>
+              <a:rPr lang="en-US" sz="1800"/>
+              <a:t> </a:t>
+            </a:r>
+            <a:endParaRPr lang="en-US" sz="1800" dirty="0"/>
           </a:p>
         </p:txBody>
       </p:sp>
